--- a/Williams-M4-CareersInAnalytics.pptx
+++ b/Williams-M4-CareersInAnalytics.pptx
@@ -5,7 +5,7 @@
     <p:sldMasterId id="2147483648" r:id="rId1"/>
   </p:sldMasterIdLst>
   <p:notesMasterIdLst>
-    <p:notesMasterId r:id="rId10"/>
+    <p:notesMasterId r:id="rId13"/>
   </p:notesMasterIdLst>
   <p:sldIdLst>
     <p:sldId id="256" r:id="rId2"/>
@@ -16,6 +16,9 @@
     <p:sldId id="269" r:id="rId7"/>
     <p:sldId id="268" r:id="rId8"/>
     <p:sldId id="270" r:id="rId9"/>
+    <p:sldId id="271" r:id="rId10"/>
+    <p:sldId id="273" r:id="rId11"/>
+    <p:sldId id="274" r:id="rId12"/>
   </p:sldIdLst>
   <p:sldSz cx="9144000" cy="6858000" type="screen4x3"/>
   <p:notesSz cx="6858000" cy="9144000"/>
@@ -215,7 +218,7 @@
           <a:p>
             <a:fld id="{62E215C5-4726-4CE8-B48C-DEAA9CACBD73}" type="datetimeFigureOut">
               <a:rPr lang="en-US" smtClean="0"/>
-              <a:t>4/30/2020</a:t>
+              <a:t>5/2/2020</a:t>
             </a:fld>
             <a:endParaRPr lang="en-US"/>
           </a:p>
@@ -882,15 +885,7 @@
             </a:pPr>
             <a:r>
               <a:rPr lang="en-US" dirty="0"/>
-              <a:t>In Virginia we can see there are 220K </a:t>
-            </a:r>
-            <a:r>
-              <a:rPr lang="en-US" dirty="0" err="1"/>
-              <a:t>postiions</a:t>
-            </a:r>
-            <a:r>
-              <a:rPr lang="en-US" dirty="0"/>
-              <a:t> as of May 2019 that relate to the use of data. This is roughly 5.7% of all working professionals in Virginia.</a:t>
+              <a:t>In Virginia we can see there are 220K positions as of May 2019 that relate to the use of data. This is roughly 5.7% of all working professionals in Virginia.</a:t>
             </a:r>
           </a:p>
           <a:p>
@@ -1009,6 +1004,90 @@
     <p:extLst>
       <p:ext uri="{BB962C8B-B14F-4D97-AF65-F5344CB8AC3E}">
         <p14:creationId xmlns:p14="http://schemas.microsoft.com/office/powerpoint/2010/main" val="2955113755"/>
+      </p:ext>
+    </p:extLst>
+  </p:cSld>
+  <p:clrMapOvr>
+    <a:masterClrMapping/>
+  </p:clrMapOvr>
+</p:notes>
+</file>
+
+<file path=ppt/notesSlides/notesSlide6.xml><?xml version="1.0" encoding="utf-8"?>
+<p:notes xmlns:a="http://schemas.openxmlformats.org/drawingml/2006/main" xmlns:r="http://schemas.openxmlformats.org/officeDocument/2006/relationships" xmlns:p="http://schemas.openxmlformats.org/presentationml/2006/main">
+  <p:cSld>
+    <p:spTree>
+      <p:nvGrpSpPr>
+        <p:cNvPr id="1" name=""/>
+        <p:cNvGrpSpPr/>
+        <p:nvPr/>
+      </p:nvGrpSpPr>
+      <p:grpSpPr>
+        <a:xfrm>
+          <a:off x="0" y="0"/>
+          <a:ext cx="0" cy="0"/>
+          <a:chOff x="0" y="0"/>
+          <a:chExt cx="0" cy="0"/>
+        </a:xfrm>
+      </p:grpSpPr>
+      <p:sp>
+        <p:nvSpPr>
+          <p:cNvPr id="2" name="Slide Image Placeholder 1"/>
+          <p:cNvSpPr>
+            <a:spLocks noGrp="1" noRot="1" noChangeAspect="1"/>
+          </p:cNvSpPr>
+          <p:nvPr>
+            <p:ph type="sldImg"/>
+          </p:nvPr>
+        </p:nvSpPr>
+        <p:spPr/>
+      </p:sp>
+      <p:sp>
+        <p:nvSpPr>
+          <p:cNvPr id="3" name="Notes Placeholder 2"/>
+          <p:cNvSpPr>
+            <a:spLocks noGrp="1"/>
+          </p:cNvSpPr>
+          <p:nvPr>
+            <p:ph type="body" idx="1"/>
+          </p:nvPr>
+        </p:nvSpPr>
+        <p:spPr/>
+        <p:txBody>
+          <a:bodyPr/>
+          <a:lstStyle/>
+          <a:p>
+            <a:endParaRPr lang="en-US" dirty="0"/>
+          </a:p>
+        </p:txBody>
+      </p:sp>
+      <p:sp>
+        <p:nvSpPr>
+          <p:cNvPr id="4" name="Slide Number Placeholder 3"/>
+          <p:cNvSpPr>
+            <a:spLocks noGrp="1"/>
+          </p:cNvSpPr>
+          <p:nvPr>
+            <p:ph type="sldNum" sz="quarter" idx="5"/>
+          </p:nvPr>
+        </p:nvSpPr>
+        <p:spPr/>
+        <p:txBody>
+          <a:bodyPr/>
+          <a:lstStyle/>
+          <a:p>
+            <a:fld id="{6E1AAB53-51B0-4F3D-B7F0-F89935F82923}" type="slidenum">
+              <a:rPr lang="en-US" smtClean="0"/>
+              <a:t>10</a:t>
+            </a:fld>
+            <a:endParaRPr lang="en-US"/>
+          </a:p>
+        </p:txBody>
+      </p:sp>
+    </p:spTree>
+    <p:extLst>
+      <p:ext uri="{BB962C8B-B14F-4D97-AF65-F5344CB8AC3E}">
+        <p14:creationId xmlns:p14="http://schemas.microsoft.com/office/powerpoint/2010/main" val="320955074"/>
       </p:ext>
     </p:extLst>
   </p:cSld>
@@ -1197,7 +1276,7 @@
           <a:p>
             <a:fld id="{241EB5C9-1307-BA42-ABA2-0BC069CD8E7F}" type="datetimeFigureOut">
               <a:rPr lang="en-US" smtClean="0"/>
-              <a:t>4/30/2020</a:t>
+              <a:t>5/2/2020</a:t>
             </a:fld>
             <a:endParaRPr lang="en-US"/>
           </a:p>
@@ -1365,7 +1444,7 @@
           <a:p>
             <a:fld id="{241EB5C9-1307-BA42-ABA2-0BC069CD8E7F}" type="datetimeFigureOut">
               <a:rPr lang="en-US" smtClean="0"/>
-              <a:t>4/30/2020</a:t>
+              <a:t>5/2/2020</a:t>
             </a:fld>
             <a:endParaRPr lang="en-US"/>
           </a:p>
@@ -1543,7 +1622,7 @@
           <a:p>
             <a:fld id="{241EB5C9-1307-BA42-ABA2-0BC069CD8E7F}" type="datetimeFigureOut">
               <a:rPr lang="en-US" smtClean="0"/>
-              <a:t>4/30/2020</a:t>
+              <a:t>5/2/2020</a:t>
             </a:fld>
             <a:endParaRPr lang="en-US"/>
           </a:p>
@@ -1711,7 +1790,7 @@
           <a:p>
             <a:fld id="{241EB5C9-1307-BA42-ABA2-0BC069CD8E7F}" type="datetimeFigureOut">
               <a:rPr lang="en-US" smtClean="0"/>
-              <a:t>4/30/2020</a:t>
+              <a:t>5/2/2020</a:t>
             </a:fld>
             <a:endParaRPr lang="en-US"/>
           </a:p>
@@ -1956,7 +2035,7 @@
           <a:p>
             <a:fld id="{241EB5C9-1307-BA42-ABA2-0BC069CD8E7F}" type="datetimeFigureOut">
               <a:rPr lang="en-US" smtClean="0"/>
-              <a:t>4/30/2020</a:t>
+              <a:t>5/2/2020</a:t>
             </a:fld>
             <a:endParaRPr lang="en-US"/>
           </a:p>
@@ -2241,7 +2320,7 @@
           <a:p>
             <a:fld id="{241EB5C9-1307-BA42-ABA2-0BC069CD8E7F}" type="datetimeFigureOut">
               <a:rPr lang="en-US" smtClean="0"/>
-              <a:t>4/30/2020</a:t>
+              <a:t>5/2/2020</a:t>
             </a:fld>
             <a:endParaRPr lang="en-US"/>
           </a:p>
@@ -2660,7 +2739,7 @@
           <a:p>
             <a:fld id="{241EB5C9-1307-BA42-ABA2-0BC069CD8E7F}" type="datetimeFigureOut">
               <a:rPr lang="en-US" smtClean="0"/>
-              <a:t>4/30/2020</a:t>
+              <a:t>5/2/2020</a:t>
             </a:fld>
             <a:endParaRPr lang="en-US"/>
           </a:p>
@@ -2777,7 +2856,7 @@
           <a:p>
             <a:fld id="{241EB5C9-1307-BA42-ABA2-0BC069CD8E7F}" type="datetimeFigureOut">
               <a:rPr lang="en-US" smtClean="0"/>
-              <a:t>4/30/2020</a:t>
+              <a:t>5/2/2020</a:t>
             </a:fld>
             <a:endParaRPr lang="en-US"/>
           </a:p>
@@ -2872,7 +2951,7 @@
           <a:p>
             <a:fld id="{241EB5C9-1307-BA42-ABA2-0BC069CD8E7F}" type="datetimeFigureOut">
               <a:rPr lang="en-US" smtClean="0"/>
-              <a:t>4/30/2020</a:t>
+              <a:t>5/2/2020</a:t>
             </a:fld>
             <a:endParaRPr lang="en-US"/>
           </a:p>
@@ -3147,7 +3226,7 @@
           <a:p>
             <a:fld id="{241EB5C9-1307-BA42-ABA2-0BC069CD8E7F}" type="datetimeFigureOut">
               <a:rPr lang="en-US" smtClean="0"/>
-              <a:t>4/30/2020</a:t>
+              <a:t>5/2/2020</a:t>
             </a:fld>
             <a:endParaRPr lang="en-US"/>
           </a:p>
@@ -3399,7 +3478,7 @@
           <a:p>
             <a:fld id="{241EB5C9-1307-BA42-ABA2-0BC069CD8E7F}" type="datetimeFigureOut">
               <a:rPr lang="en-US" smtClean="0"/>
-              <a:t>4/30/2020</a:t>
+              <a:t>5/2/2020</a:t>
             </a:fld>
             <a:endParaRPr lang="en-US"/>
           </a:p>
@@ -3610,7 +3689,7 @@
           <a:p>
             <a:fld id="{241EB5C9-1307-BA42-ABA2-0BC069CD8E7F}" type="datetimeFigureOut">
               <a:rPr lang="en-US" smtClean="0"/>
-              <a:t>4/30/2020</a:t>
+              <a:t>5/2/2020</a:t>
             </a:fld>
             <a:endParaRPr lang="en-US"/>
           </a:p>
@@ -4260,6 +4339,730 @@
         </p:txBody>
       </p:sp>
     </p:spTree>
+  </p:cSld>
+  <p:clrMapOvr>
+    <a:masterClrMapping/>
+  </p:clrMapOvr>
+</p:sld>
+</file>
+
+<file path=ppt/slides/slide10.xml><?xml version="1.0" encoding="utf-8"?>
+<p:sld xmlns:a="http://schemas.openxmlformats.org/drawingml/2006/main" xmlns:r="http://schemas.openxmlformats.org/officeDocument/2006/relationships" xmlns:p="http://schemas.openxmlformats.org/presentationml/2006/main">
+  <p:cSld>
+    <p:bg>
+      <p:bgPr>
+        <a:solidFill>
+          <a:schemeClr val="bg1"/>
+        </a:solidFill>
+        <a:effectLst/>
+      </p:bgPr>
+    </p:bg>
+    <p:spTree>
+      <p:nvGrpSpPr>
+        <p:cNvPr id="1" name=""/>
+        <p:cNvGrpSpPr/>
+        <p:nvPr/>
+      </p:nvGrpSpPr>
+      <p:grpSpPr>
+        <a:xfrm>
+          <a:off x="0" y="0"/>
+          <a:ext cx="0" cy="0"/>
+          <a:chOff x="0" y="0"/>
+          <a:chExt cx="0" cy="0"/>
+        </a:xfrm>
+      </p:grpSpPr>
+      <p:sp>
+        <p:nvSpPr>
+          <p:cNvPr id="9" name="Rectangle 8">
+            <a:extLst>
+              <a:ext uri="{FF2B5EF4-FFF2-40B4-BE49-F238E27FC236}">
+                <a16:creationId xmlns:a16="http://schemas.microsoft.com/office/drawing/2014/main" id="{466012E2-2E5E-4208-B59C-DA4FC44DC7A7}"/>
+              </a:ext>
+              <a:ext uri="{C183D7F6-B498-43B3-948B-1728B52AA6E4}">
+                <adec:decorative xmlns:adec="http://schemas.microsoft.com/office/drawing/2017/decorative" val="1"/>
+              </a:ext>
+            </a:extLst>
+          </p:cNvPr>
+          <p:cNvSpPr>
+            <a:spLocks noGrp="1" noRot="1" noChangeAspect="1" noMove="1" noResize="1" noEditPoints="1" noAdjustHandles="1" noChangeArrowheads="1" noChangeShapeType="1" noTextEdit="1"/>
+          </p:cNvSpPr>
+          <p:nvPr>
+            <p:extLst>
+              <p:ext uri="{386F3935-93C4-4BCD-93E2-E3B085C9AB24}">
+                <p16:designElem xmlns:p16="http://schemas.microsoft.com/office/powerpoint/2015/main" val="1"/>
+              </p:ext>
+            </p:extLst>
+          </p:nvPr>
+        </p:nvSpPr>
+        <p:spPr>
+          <a:xfrm>
+            <a:off x="-21476" y="0"/>
+            <a:ext cx="9165475" cy="6858000"/>
+          </a:xfrm>
+          <a:prstGeom prst="rect">
+            <a:avLst/>
+          </a:prstGeom>
+          <a:gradFill>
+            <a:gsLst>
+              <a:gs pos="0">
+                <a:schemeClr val="accent1">
+                  <a:lumMod val="90000"/>
+                </a:schemeClr>
+              </a:gs>
+              <a:gs pos="25000">
+                <a:schemeClr val="accent1">
+                  <a:lumMod val="90000"/>
+                </a:schemeClr>
+              </a:gs>
+              <a:gs pos="94000">
+                <a:schemeClr val="bg2">
+                  <a:lumMod val="25000"/>
+                </a:schemeClr>
+              </a:gs>
+              <a:gs pos="100000">
+                <a:schemeClr val="bg2">
+                  <a:lumMod val="25000"/>
+                </a:schemeClr>
+              </a:gs>
+            </a:gsLst>
+            <a:lin ang="4200000" scaled="0"/>
+          </a:gradFill>
+          <a:ln>
+            <a:noFill/>
+          </a:ln>
+        </p:spPr>
+        <p:style>
+          <a:lnRef idx="2">
+            <a:schemeClr val="accent1">
+              <a:shade val="50000"/>
+            </a:schemeClr>
+          </a:lnRef>
+          <a:fillRef idx="1">
+            <a:schemeClr val="accent1"/>
+          </a:fillRef>
+          <a:effectRef idx="0">
+            <a:schemeClr val="accent1"/>
+          </a:effectRef>
+          <a:fontRef idx="minor">
+            <a:schemeClr val="lt1"/>
+          </a:fontRef>
+        </p:style>
+        <p:txBody>
+          <a:bodyPr rtlCol="0" anchor="ctr"/>
+          <a:lstStyle/>
+          <a:p>
+            <a:pPr marL="0" marR="0" lvl="0" indent="0" algn="ctr" defTabSz="914400" rtl="0" eaLnBrk="1" fontAlgn="auto" latinLnBrk="0" hangingPunct="1">
+              <a:lnSpc>
+                <a:spcPct val="100000"/>
+              </a:lnSpc>
+              <a:spcBef>
+                <a:spcPts val="0"/>
+              </a:spcBef>
+              <a:spcAft>
+                <a:spcPts val="0"/>
+              </a:spcAft>
+              <a:buClrTx/>
+              <a:buSzTx/>
+              <a:buFontTx/>
+              <a:buNone/>
+              <a:tabLst/>
+              <a:defRPr/>
+            </a:pPr>
+            <a:endParaRPr kumimoji="0" lang="en-US" sz="1800" b="0" i="0" u="none" strike="noStrike" kern="1200" cap="none" spc="0" normalizeH="0" baseline="0" noProof="0">
+              <a:ln>
+                <a:noFill/>
+              </a:ln>
+              <a:solidFill>
+                <a:prstClr val="white"/>
+              </a:solidFill>
+              <a:effectLst/>
+              <a:uLnTx/>
+              <a:uFillTx/>
+              <a:latin typeface="Calibri" panose="020F0502020204030204"/>
+              <a:ea typeface="+mn-ea"/>
+              <a:cs typeface="+mn-cs"/>
+            </a:endParaRPr>
+          </a:p>
+        </p:txBody>
+      </p:sp>
+      <p:pic>
+        <p:nvPicPr>
+          <p:cNvPr id="11" name="Picture 10">
+            <a:extLst>
+              <a:ext uri="{FF2B5EF4-FFF2-40B4-BE49-F238E27FC236}">
+                <a16:creationId xmlns:a16="http://schemas.microsoft.com/office/drawing/2014/main" id="{05F94A0D-DB2E-4487-BA31-9105C14D9508}"/>
+              </a:ext>
+              <a:ext uri="{C183D7F6-B498-43B3-948B-1728B52AA6E4}">
+                <adec:decorative xmlns:adec="http://schemas.microsoft.com/office/drawing/2017/decorative" val="1"/>
+              </a:ext>
+            </a:extLst>
+          </p:cNvPr>
+          <p:cNvPicPr>
+            <a:picLocks noGrp="1" noRot="1" noChangeAspect="1" noMove="1" noResize="1" noEditPoints="1" noAdjustHandles="1" noChangeArrowheads="1" noChangeShapeType="1" noCrop="1"/>
+          </p:cNvPicPr>
+          <p:nvPr>
+            <p:extLst>
+              <p:ext uri="{386F3935-93C4-4BCD-93E2-E3B085C9AB24}">
+                <p16:designElem xmlns:p16="http://schemas.microsoft.com/office/powerpoint/2015/main" val="1"/>
+              </p:ext>
+            </p:extLst>
+          </p:nvPr>
+        </p:nvPicPr>
+        <p:blipFill>
+          <a:blip r:embed="rId3">
+            <a:extLst>
+              <a:ext uri="{28A0092B-C50C-407E-A947-70E740481C1C}">
+                <a14:useLocalDpi xmlns:a14="http://schemas.microsoft.com/office/drawing/2010/main" val="0"/>
+              </a:ext>
+            </a:extLst>
+          </a:blip>
+          <a:stretch>
+            <a:fillRect/>
+          </a:stretch>
+        </p:blipFill>
+        <p:spPr>
+          <a:xfrm>
+            <a:off x="-21477" y="0"/>
+            <a:ext cx="9165477" cy="6858000"/>
+          </a:xfrm>
+          <a:prstGeom prst="rect">
+            <a:avLst/>
+          </a:prstGeom>
+        </p:spPr>
+      </p:pic>
+      <p:sp>
+        <p:nvSpPr>
+          <p:cNvPr id="3" name="Content Placeholder 2"/>
+          <p:cNvSpPr>
+            <a:spLocks noGrp="1"/>
+          </p:cNvSpPr>
+          <p:nvPr>
+            <p:ph idx="1"/>
+          </p:nvPr>
+        </p:nvSpPr>
+        <p:spPr>
+          <a:xfrm>
+            <a:off x="305718" y="1670987"/>
+            <a:ext cx="2702145" cy="2335752"/>
+          </a:xfrm>
+        </p:spPr>
+        <p:txBody>
+          <a:bodyPr vert="horz" lIns="91440" tIns="45720" rIns="91440" bIns="45720" rtlCol="0" anchor="b">
+            <a:noAutofit/>
+          </a:bodyPr>
+          <a:lstStyle/>
+          <a:p>
+            <a:pPr marL="0" lvl="0" indent="0" defTabSz="914400">
+              <a:lnSpc>
+                <a:spcPct val="90000"/>
+              </a:lnSpc>
+              <a:spcBef>
+                <a:spcPts val="1000"/>
+              </a:spcBef>
+              <a:buNone/>
+            </a:pPr>
+            <a:r>
+              <a:rPr lang="en-US" sz="3600" dirty="0">
+                <a:solidFill>
+                  <a:srgbClr val="FFFFFF"/>
+                </a:solidFill>
+              </a:rPr>
+              <a:t>Projected Employment Growth: 2018 - 2028</a:t>
+            </a:r>
+            <a:endParaRPr lang="en-US" sz="3600" kern="1200" dirty="0">
+              <a:solidFill>
+                <a:srgbClr val="FFFFFF"/>
+              </a:solidFill>
+              <a:latin typeface="+mn-lt"/>
+              <a:ea typeface="+mn-ea"/>
+              <a:cs typeface="+mn-cs"/>
+            </a:endParaRPr>
+          </a:p>
+        </p:txBody>
+      </p:sp>
+      <p:sp>
+        <p:nvSpPr>
+          <p:cNvPr id="8" name="TextBox 7">
+            <a:extLst>
+              <a:ext uri="{FF2B5EF4-FFF2-40B4-BE49-F238E27FC236}">
+                <a16:creationId xmlns:a16="http://schemas.microsoft.com/office/drawing/2014/main" id="{86E523F9-481C-46C0-8D03-AA44652FB00B}"/>
+              </a:ext>
+            </a:extLst>
+          </p:cNvPr>
+          <p:cNvSpPr txBox="1"/>
+          <p:nvPr/>
+        </p:nvSpPr>
+        <p:spPr>
+          <a:xfrm>
+            <a:off x="4705165" y="5081806"/>
+            <a:ext cx="4247965" cy="646331"/>
+          </a:xfrm>
+          <a:prstGeom prst="rect">
+            <a:avLst/>
+          </a:prstGeom>
+          <a:noFill/>
+        </p:spPr>
+        <p:txBody>
+          <a:bodyPr wrap="square" rtlCol="0">
+            <a:spAutoFit/>
+          </a:bodyPr>
+          <a:lstStyle/>
+          <a:p>
+            <a:r>
+              <a:rPr lang="en-US" dirty="0"/>
+              <a:t>Data is limited due to the data source and how occupation titles are coded</a:t>
+            </a:r>
+          </a:p>
+        </p:txBody>
+      </p:sp>
+      <p:pic>
+        <p:nvPicPr>
+          <p:cNvPr id="10" name="Picture 9">
+            <a:extLst>
+              <a:ext uri="{FF2B5EF4-FFF2-40B4-BE49-F238E27FC236}">
+                <a16:creationId xmlns:a16="http://schemas.microsoft.com/office/drawing/2014/main" id="{31301885-BBC2-4864-B7A2-7F51B1C64CD5}"/>
+              </a:ext>
+            </a:extLst>
+          </p:cNvPr>
+          <p:cNvPicPr>
+            <a:picLocks noChangeAspect="1"/>
+          </p:cNvPicPr>
+          <p:nvPr/>
+        </p:nvPicPr>
+        <p:blipFill>
+          <a:blip r:embed="rId4"/>
+          <a:stretch>
+            <a:fillRect/>
+          </a:stretch>
+        </p:blipFill>
+        <p:spPr>
+          <a:xfrm>
+            <a:off x="4429999" y="988916"/>
+            <a:ext cx="4688014" cy="3438230"/>
+          </a:xfrm>
+          <a:prstGeom prst="rect">
+            <a:avLst/>
+          </a:prstGeom>
+        </p:spPr>
+      </p:pic>
+    </p:spTree>
+    <p:extLst>
+      <p:ext uri="{BB962C8B-B14F-4D97-AF65-F5344CB8AC3E}">
+        <p14:creationId xmlns:p14="http://schemas.microsoft.com/office/powerpoint/2010/main" val="2036843830"/>
+      </p:ext>
+    </p:extLst>
+  </p:cSld>
+  <p:clrMapOvr>
+    <a:masterClrMapping/>
+  </p:clrMapOvr>
+</p:sld>
+</file>
+
+<file path=ppt/slides/slide11.xml><?xml version="1.0" encoding="utf-8"?>
+<p:sld xmlns:a="http://schemas.openxmlformats.org/drawingml/2006/main" xmlns:r="http://schemas.openxmlformats.org/officeDocument/2006/relationships" xmlns:p="http://schemas.openxmlformats.org/presentationml/2006/main">
+  <p:cSld>
+    <p:bg>
+      <p:bgPr>
+        <a:solidFill>
+          <a:schemeClr val="bg1"/>
+        </a:solidFill>
+        <a:effectLst/>
+      </p:bgPr>
+    </p:bg>
+    <p:spTree>
+      <p:nvGrpSpPr>
+        <p:cNvPr id="1" name=""/>
+        <p:cNvGrpSpPr/>
+        <p:nvPr/>
+      </p:nvGrpSpPr>
+      <p:grpSpPr>
+        <a:xfrm>
+          <a:off x="0" y="0"/>
+          <a:ext cx="0" cy="0"/>
+          <a:chOff x="0" y="0"/>
+          <a:chExt cx="0" cy="0"/>
+        </a:xfrm>
+      </p:grpSpPr>
+      <p:sp>
+        <p:nvSpPr>
+          <p:cNvPr id="8" name="Rectangle 7">
+            <a:extLst>
+              <a:ext uri="{FF2B5EF4-FFF2-40B4-BE49-F238E27FC236}">
+                <a16:creationId xmlns:a16="http://schemas.microsoft.com/office/drawing/2014/main" id="{01C9CC24-B375-4226-BF2B-61FADBBA696A}"/>
+              </a:ext>
+              <a:ext uri="{C183D7F6-B498-43B3-948B-1728B52AA6E4}">
+                <adec:decorative xmlns:adec="http://schemas.microsoft.com/office/drawing/2017/decorative" val="1"/>
+              </a:ext>
+            </a:extLst>
+          </p:cNvPr>
+          <p:cNvSpPr>
+            <a:spLocks noGrp="1" noRot="1" noChangeAspect="1" noMove="1" noResize="1" noEditPoints="1" noAdjustHandles="1" noChangeArrowheads="1" noChangeShapeType="1" noTextEdit="1"/>
+          </p:cNvSpPr>
+          <p:nvPr>
+            <p:extLst>
+              <p:ext uri="{386F3935-93C4-4BCD-93E2-E3B085C9AB24}">
+                <p16:designElem xmlns:p16="http://schemas.microsoft.com/office/powerpoint/2015/main" val="1"/>
+              </p:ext>
+            </p:extLst>
+          </p:nvPr>
+        </p:nvSpPr>
+        <p:spPr>
+          <a:xfrm>
+            <a:off x="0" y="0"/>
+            <a:ext cx="9144000" cy="6858000"/>
+          </a:xfrm>
+          <a:prstGeom prst="rect">
+            <a:avLst/>
+          </a:prstGeom>
+          <a:solidFill>
+            <a:srgbClr val="FFFFFF"/>
+          </a:solidFill>
+          <a:ln>
+            <a:noFill/>
+          </a:ln>
+        </p:spPr>
+        <p:style>
+          <a:lnRef idx="2">
+            <a:schemeClr val="accent1">
+              <a:shade val="50000"/>
+            </a:schemeClr>
+          </a:lnRef>
+          <a:fillRef idx="1">
+            <a:schemeClr val="accent1"/>
+          </a:fillRef>
+          <a:effectRef idx="0">
+            <a:schemeClr val="accent1"/>
+          </a:effectRef>
+          <a:fontRef idx="minor">
+            <a:schemeClr val="lt1"/>
+          </a:fontRef>
+        </p:style>
+        <p:txBody>
+          <a:bodyPr rtlCol="0" anchor="ctr"/>
+          <a:lstStyle/>
+          <a:p>
+            <a:pPr algn="ctr"/>
+            <a:endParaRPr lang="en-US"/>
+          </a:p>
+        </p:txBody>
+      </p:sp>
+      <p:sp>
+        <p:nvSpPr>
+          <p:cNvPr id="10" name="Rectangle 9">
+            <a:extLst>
+              <a:ext uri="{FF2B5EF4-FFF2-40B4-BE49-F238E27FC236}">
+                <a16:creationId xmlns:a16="http://schemas.microsoft.com/office/drawing/2014/main" id="{CD70A28E-4FD8-4474-A206-E15B5EBB303F}"/>
+              </a:ext>
+              <a:ext uri="{C183D7F6-B498-43B3-948B-1728B52AA6E4}">
+                <adec:decorative xmlns:adec="http://schemas.microsoft.com/office/drawing/2017/decorative" val="1"/>
+              </a:ext>
+            </a:extLst>
+          </p:cNvPr>
+          <p:cNvSpPr>
+            <a:spLocks noGrp="1" noRot="1" noChangeAspect="1" noMove="1" noResize="1" noEditPoints="1" noAdjustHandles="1" noChangeArrowheads="1" noChangeShapeType="1" noTextEdit="1"/>
+          </p:cNvSpPr>
+          <p:nvPr>
+            <p:extLst>
+              <p:ext uri="{386F3935-93C4-4BCD-93E2-E3B085C9AB24}">
+                <p16:designElem xmlns:p16="http://schemas.microsoft.com/office/powerpoint/2015/main" val="1"/>
+              </p:ext>
+            </p:extLst>
+          </p:nvPr>
+        </p:nvSpPr>
+        <p:spPr>
+          <a:xfrm>
+            <a:off x="2286" y="1084747"/>
+            <a:ext cx="9141714" cy="3294207"/>
+          </a:xfrm>
+          <a:prstGeom prst="rect">
+            <a:avLst/>
+          </a:prstGeom>
+          <a:gradFill>
+            <a:gsLst>
+              <a:gs pos="0">
+                <a:schemeClr val="accent1">
+                  <a:lumMod val="90000"/>
+                </a:schemeClr>
+              </a:gs>
+              <a:gs pos="25000">
+                <a:schemeClr val="accent1">
+                  <a:lumMod val="90000"/>
+                </a:schemeClr>
+              </a:gs>
+              <a:gs pos="94000">
+                <a:schemeClr val="bg2">
+                  <a:lumMod val="25000"/>
+                </a:schemeClr>
+              </a:gs>
+              <a:gs pos="100000">
+                <a:schemeClr val="bg2">
+                  <a:lumMod val="25000"/>
+                </a:schemeClr>
+              </a:gs>
+            </a:gsLst>
+            <a:lin ang="4200000" scaled="0"/>
+          </a:gradFill>
+          <a:ln>
+            <a:noFill/>
+          </a:ln>
+        </p:spPr>
+        <p:style>
+          <a:lnRef idx="2">
+            <a:schemeClr val="accent1">
+              <a:shade val="50000"/>
+            </a:schemeClr>
+          </a:lnRef>
+          <a:fillRef idx="1">
+            <a:schemeClr val="accent1"/>
+          </a:fillRef>
+          <a:effectRef idx="0">
+            <a:schemeClr val="accent1"/>
+          </a:effectRef>
+          <a:fontRef idx="minor">
+            <a:schemeClr val="lt1"/>
+          </a:fontRef>
+        </p:style>
+        <p:txBody>
+          <a:bodyPr rtlCol="0" anchor="ctr"/>
+          <a:lstStyle/>
+          <a:p>
+            <a:pPr algn="ctr"/>
+            <a:endParaRPr lang="en-US"/>
+          </a:p>
+        </p:txBody>
+      </p:sp>
+      <p:pic>
+        <p:nvPicPr>
+          <p:cNvPr id="12" name="Picture 11">
+            <a:extLst>
+              <a:ext uri="{FF2B5EF4-FFF2-40B4-BE49-F238E27FC236}">
+                <a16:creationId xmlns:a16="http://schemas.microsoft.com/office/drawing/2014/main" id="{39647E21-5366-4638-AC97-D8CD4111EB57}"/>
+              </a:ext>
+              <a:ext uri="{C183D7F6-B498-43B3-948B-1728B52AA6E4}">
+                <adec:decorative xmlns:adec="http://schemas.microsoft.com/office/drawing/2017/decorative" val="1"/>
+              </a:ext>
+            </a:extLst>
+          </p:cNvPr>
+          <p:cNvPicPr>
+            <a:picLocks noGrp="1" noRot="1" noChangeAspect="1" noMove="1" noResize="1" noEditPoints="1" noAdjustHandles="1" noChangeArrowheads="1" noChangeShapeType="1" noCrop="1"/>
+          </p:cNvPicPr>
+          <p:nvPr>
+            <p:extLst>
+              <p:ext uri="{386F3935-93C4-4BCD-93E2-E3B085C9AB24}">
+                <p16:designElem xmlns:p16="http://schemas.microsoft.com/office/powerpoint/2015/main" val="1"/>
+              </p:ext>
+            </p:extLst>
+          </p:nvPr>
+        </p:nvPicPr>
+        <p:blipFill>
+          <a:blip r:embed="rId2">
+            <a:extLst>
+              <a:ext uri="{28A0092B-C50C-407E-A947-70E740481C1C}">
+                <a14:useLocalDpi xmlns:a14="http://schemas.microsoft.com/office/drawing/2010/main" val="0"/>
+              </a:ext>
+            </a:extLst>
+          </a:blip>
+          <a:srcRect l="8235" r="8214" b="45501"/>
+          <a:stretch>
+            <a:fillRect/>
+          </a:stretch>
+        </p:blipFill>
+        <p:spPr>
+          <a:xfrm flipV="1">
+            <a:off x="0" y="0"/>
+            <a:ext cx="9143999" cy="4473360"/>
+          </a:xfrm>
+          <a:custGeom>
+            <a:avLst/>
+            <a:gdLst>
+              <a:gd name="connsiteX0" fmla="*/ 0 w 12191999"/>
+              <a:gd name="connsiteY0" fmla="*/ 4473360 h 4473360"/>
+              <a:gd name="connsiteX1" fmla="*/ 12191999 w 12191999"/>
+              <a:gd name="connsiteY1" fmla="*/ 4473360 h 4473360"/>
+              <a:gd name="connsiteX2" fmla="*/ 12191999 w 12191999"/>
+              <a:gd name="connsiteY2" fmla="*/ 0 h 4473360"/>
+              <a:gd name="connsiteX3" fmla="*/ 0 w 12191999"/>
+              <a:gd name="connsiteY3" fmla="*/ 0 h 4473360"/>
+            </a:gdLst>
+            <a:ahLst/>
+            <a:cxnLst>
+              <a:cxn ang="0">
+                <a:pos x="connsiteX0" y="connsiteY0"/>
+              </a:cxn>
+              <a:cxn ang="0">
+                <a:pos x="connsiteX1" y="connsiteY1"/>
+              </a:cxn>
+              <a:cxn ang="0">
+                <a:pos x="connsiteX2" y="connsiteY2"/>
+              </a:cxn>
+              <a:cxn ang="0">
+                <a:pos x="connsiteX3" y="connsiteY3"/>
+              </a:cxn>
+            </a:cxnLst>
+            <a:rect l="l" t="t" r="r" b="b"/>
+            <a:pathLst>
+              <a:path w="12191999" h="4473360">
+                <a:moveTo>
+                  <a:pt x="0" y="4473360"/>
+                </a:moveTo>
+                <a:lnTo>
+                  <a:pt x="12191999" y="4473360"/>
+                </a:lnTo>
+                <a:lnTo>
+                  <a:pt x="12191999" y="0"/>
+                </a:lnTo>
+                <a:lnTo>
+                  <a:pt x="0" y="0"/>
+                </a:lnTo>
+                <a:close/>
+              </a:path>
+            </a:pathLst>
+          </a:custGeom>
+        </p:spPr>
+      </p:pic>
+      <p:sp>
+        <p:nvSpPr>
+          <p:cNvPr id="2" name="Title 1">
+            <a:extLst>
+              <a:ext uri="{FF2B5EF4-FFF2-40B4-BE49-F238E27FC236}">
+                <a16:creationId xmlns:a16="http://schemas.microsoft.com/office/drawing/2014/main" id="{FF2ECA5A-E42B-4721-97B6-8A13681AD828}"/>
+              </a:ext>
+            </a:extLst>
+          </p:cNvPr>
+          <p:cNvSpPr>
+            <a:spLocks noGrp="1"/>
+          </p:cNvSpPr>
+          <p:nvPr>
+            <p:ph type="title"/>
+          </p:nvPr>
+        </p:nvSpPr>
+        <p:spPr>
+          <a:xfrm>
+            <a:off x="565443" y="2076450"/>
+            <a:ext cx="8013114" cy="1345134"/>
+          </a:xfrm>
+        </p:spPr>
+        <p:txBody>
+          <a:bodyPr vert="horz" lIns="91440" tIns="45720" rIns="91440" bIns="45720" rtlCol="0" anchor="ctr">
+            <a:normAutofit/>
+          </a:bodyPr>
+          <a:lstStyle/>
+          <a:p>
+            <a:pPr algn="ctr" defTabSz="914400">
+              <a:lnSpc>
+                <a:spcPct val="90000"/>
+              </a:lnSpc>
+            </a:pPr>
+            <a:r>
+              <a:rPr lang="en-US" sz="4900" kern="1200" dirty="0">
+                <a:solidFill>
+                  <a:srgbClr val="FFFFFF"/>
+                </a:solidFill>
+                <a:latin typeface="+mj-lt"/>
+                <a:ea typeface="+mj-ea"/>
+                <a:cs typeface="+mj-cs"/>
+              </a:rPr>
+              <a:t>Thank You!</a:t>
+            </a:r>
+          </a:p>
+        </p:txBody>
+      </p:sp>
+      <p:sp>
+        <p:nvSpPr>
+          <p:cNvPr id="3" name="Text Placeholder 2">
+            <a:extLst>
+              <a:ext uri="{FF2B5EF4-FFF2-40B4-BE49-F238E27FC236}">
+                <a16:creationId xmlns:a16="http://schemas.microsoft.com/office/drawing/2014/main" id="{56A29EF8-AFBE-43F3-9EB1-A1839DAD00C6}"/>
+              </a:ext>
+            </a:extLst>
+          </p:cNvPr>
+          <p:cNvSpPr>
+            <a:spLocks noGrp="1"/>
+          </p:cNvSpPr>
+          <p:nvPr>
+            <p:ph type="body" idx="1"/>
+          </p:nvPr>
+        </p:nvSpPr>
+        <p:spPr>
+          <a:xfrm>
+            <a:off x="878681" y="4473360"/>
+            <a:ext cx="7101908" cy="865639"/>
+          </a:xfrm>
+        </p:spPr>
+        <p:txBody>
+          <a:bodyPr vert="horz" lIns="91440" tIns="45720" rIns="91440" bIns="45720" rtlCol="0" anchor="ctr">
+            <a:normAutofit lnSpcReduction="10000"/>
+          </a:bodyPr>
+          <a:lstStyle/>
+          <a:p>
+            <a:pPr algn="ctr" defTabSz="914400">
+              <a:lnSpc>
+                <a:spcPct val="90000"/>
+              </a:lnSpc>
+              <a:spcBef>
+                <a:spcPts val="1000"/>
+              </a:spcBef>
+            </a:pPr>
+            <a:r>
+              <a:rPr lang="en-US" sz="2400" kern="1200" dirty="0">
+                <a:solidFill>
+                  <a:srgbClr val="000000"/>
+                </a:solidFill>
+                <a:latin typeface="+mn-lt"/>
+                <a:ea typeface="+mn-ea"/>
+                <a:cs typeface="+mn-cs"/>
+              </a:rPr>
+              <a:t>G. Holt Williams</a:t>
+            </a:r>
+            <a:endParaRPr lang="en-US" sz="2400" dirty="0">
+              <a:solidFill>
+                <a:srgbClr val="000000"/>
+              </a:solidFill>
+            </a:endParaRPr>
+          </a:p>
+          <a:p>
+            <a:pPr algn="ctr" defTabSz="914400">
+              <a:lnSpc>
+                <a:spcPct val="90000"/>
+              </a:lnSpc>
+              <a:spcBef>
+                <a:spcPts val="1000"/>
+              </a:spcBef>
+            </a:pPr>
+            <a:r>
+              <a:rPr lang="en-US" sz="2400" kern="1200" dirty="0">
+                <a:solidFill>
+                  <a:srgbClr val="000000"/>
+                </a:solidFill>
+                <a:latin typeface="+mn-lt"/>
+                <a:ea typeface="+mn-ea"/>
+                <a:cs typeface="+mn-cs"/>
+              </a:rPr>
+              <a:t>Data Source: </a:t>
+            </a:r>
+            <a:r>
+              <a:rPr lang="en-US" sz="2400" dirty="0">
+                <a:hlinkClick r:id="rId3"/>
+              </a:rPr>
+              <a:t>https://www.bls.gov/oes/tables.htm</a:t>
+            </a:r>
+            <a:endParaRPr lang="en-US" sz="2400" kern="1200" dirty="0">
+              <a:solidFill>
+                <a:srgbClr val="000000"/>
+              </a:solidFill>
+              <a:latin typeface="+mn-lt"/>
+              <a:ea typeface="+mn-ea"/>
+              <a:cs typeface="+mn-cs"/>
+            </a:endParaRPr>
+          </a:p>
+        </p:txBody>
+      </p:sp>
+    </p:spTree>
+    <p:extLst>
+      <p:ext uri="{BB962C8B-B14F-4D97-AF65-F5344CB8AC3E}">
+        <p14:creationId xmlns:p14="http://schemas.microsoft.com/office/powerpoint/2010/main" val="1865593317"/>
+      </p:ext>
+    </p:extLst>
   </p:cSld>
   <p:clrMapOvr>
     <a:masterClrMapping/>
@@ -7361,10 +8164,424 @@
           </a:prstGeom>
         </p:spPr>
       </p:pic>
+      <p:sp>
+        <p:nvSpPr>
+          <p:cNvPr id="7" name="AutoShape 2">
+            <a:extLst>
+              <a:ext uri="{FF2B5EF4-FFF2-40B4-BE49-F238E27FC236}">
+                <a16:creationId xmlns:a16="http://schemas.microsoft.com/office/drawing/2014/main" id="{468DE92E-CDAB-4627-B248-30D1B06C2F54}"/>
+              </a:ext>
+            </a:extLst>
+          </p:cNvPr>
+          <p:cNvSpPr>
+            <a:spLocks noChangeAspect="1" noChangeArrowheads="1"/>
+          </p:cNvSpPr>
+          <p:nvPr/>
+        </p:nvSpPr>
+        <p:spPr bwMode="auto">
+          <a:xfrm>
+            <a:off x="4419600" y="3276600"/>
+            <a:ext cx="304800" cy="304800"/>
+          </a:xfrm>
+          <a:prstGeom prst="rect">
+            <a:avLst/>
+          </a:prstGeom>
+          <a:noFill/>
+          <a:extLst>
+            <a:ext uri="{909E8E84-426E-40DD-AFC4-6F175D3DCCD1}">
+              <a14:hiddenFill xmlns:a14="http://schemas.microsoft.com/office/drawing/2010/main">
+                <a:solidFill>
+                  <a:srgbClr val="FFFFFF"/>
+                </a:solidFill>
+              </a14:hiddenFill>
+            </a:ext>
+          </a:extLst>
+        </p:spPr>
+        <p:txBody>
+          <a:bodyPr vert="horz" wrap="square" lIns="91440" tIns="45720" rIns="91440" bIns="45720" numCol="1" anchor="t" anchorCtr="0" compatLnSpc="1">
+            <a:prstTxWarp prst="textNoShape">
+              <a:avLst/>
+            </a:prstTxWarp>
+          </a:bodyPr>
+          <a:lstStyle/>
+          <a:p>
+            <a:endParaRPr lang="en-US"/>
+          </a:p>
+        </p:txBody>
+      </p:sp>
     </p:spTree>
     <p:extLst>
       <p:ext uri="{BB962C8B-B14F-4D97-AF65-F5344CB8AC3E}">
         <p14:creationId xmlns:p14="http://schemas.microsoft.com/office/powerpoint/2010/main" val="1090838272"/>
+      </p:ext>
+    </p:extLst>
+  </p:cSld>
+  <p:clrMapOvr>
+    <a:masterClrMapping/>
+  </p:clrMapOvr>
+</p:sld>
+</file>
+
+<file path=ppt/slides/slide9.xml><?xml version="1.0" encoding="utf-8"?>
+<p:sld xmlns:a="http://schemas.openxmlformats.org/drawingml/2006/main" xmlns:r="http://schemas.openxmlformats.org/officeDocument/2006/relationships" xmlns:p="http://schemas.openxmlformats.org/presentationml/2006/main">
+  <p:cSld>
+    <p:bg>
+      <p:bgPr>
+        <a:solidFill>
+          <a:schemeClr val="bg1"/>
+        </a:solidFill>
+        <a:effectLst/>
+      </p:bgPr>
+    </p:bg>
+    <p:spTree>
+      <p:nvGrpSpPr>
+        <p:cNvPr id="1" name=""/>
+        <p:cNvGrpSpPr/>
+        <p:nvPr/>
+      </p:nvGrpSpPr>
+      <p:grpSpPr>
+        <a:xfrm>
+          <a:off x="0" y="0"/>
+          <a:ext cx="0" cy="0"/>
+          <a:chOff x="0" y="0"/>
+          <a:chExt cx="0" cy="0"/>
+        </a:xfrm>
+      </p:grpSpPr>
+      <p:sp>
+        <p:nvSpPr>
+          <p:cNvPr id="8" name="Rectangle 7">
+            <a:extLst>
+              <a:ext uri="{FF2B5EF4-FFF2-40B4-BE49-F238E27FC236}">
+                <a16:creationId xmlns:a16="http://schemas.microsoft.com/office/drawing/2014/main" id="{01C9CC24-B375-4226-BF2B-61FADBBA696A}"/>
+              </a:ext>
+              <a:ext uri="{C183D7F6-B498-43B3-948B-1728B52AA6E4}">
+                <adec:decorative xmlns:adec="http://schemas.microsoft.com/office/drawing/2017/decorative" val="1"/>
+              </a:ext>
+            </a:extLst>
+          </p:cNvPr>
+          <p:cNvSpPr>
+            <a:spLocks noGrp="1" noRot="1" noChangeAspect="1" noMove="1" noResize="1" noEditPoints="1" noAdjustHandles="1" noChangeArrowheads="1" noChangeShapeType="1" noTextEdit="1"/>
+          </p:cNvSpPr>
+          <p:nvPr>
+            <p:extLst>
+              <p:ext uri="{386F3935-93C4-4BCD-93E2-E3B085C9AB24}">
+                <p16:designElem xmlns:p16="http://schemas.microsoft.com/office/powerpoint/2015/main" val="1"/>
+              </p:ext>
+            </p:extLst>
+          </p:nvPr>
+        </p:nvSpPr>
+        <p:spPr>
+          <a:xfrm>
+            <a:off x="0" y="0"/>
+            <a:ext cx="9144000" cy="6858000"/>
+          </a:xfrm>
+          <a:prstGeom prst="rect">
+            <a:avLst/>
+          </a:prstGeom>
+          <a:solidFill>
+            <a:srgbClr val="FFFFFF"/>
+          </a:solidFill>
+          <a:ln>
+            <a:noFill/>
+          </a:ln>
+        </p:spPr>
+        <p:style>
+          <a:lnRef idx="2">
+            <a:schemeClr val="accent1">
+              <a:shade val="50000"/>
+            </a:schemeClr>
+          </a:lnRef>
+          <a:fillRef idx="1">
+            <a:schemeClr val="accent1"/>
+          </a:fillRef>
+          <a:effectRef idx="0">
+            <a:schemeClr val="accent1"/>
+          </a:effectRef>
+          <a:fontRef idx="minor">
+            <a:schemeClr val="lt1"/>
+          </a:fontRef>
+        </p:style>
+        <p:txBody>
+          <a:bodyPr rtlCol="0" anchor="ctr"/>
+          <a:lstStyle/>
+          <a:p>
+            <a:pPr algn="ctr"/>
+            <a:endParaRPr lang="en-US"/>
+          </a:p>
+        </p:txBody>
+      </p:sp>
+      <p:sp>
+        <p:nvSpPr>
+          <p:cNvPr id="10" name="Rectangle 9">
+            <a:extLst>
+              <a:ext uri="{FF2B5EF4-FFF2-40B4-BE49-F238E27FC236}">
+                <a16:creationId xmlns:a16="http://schemas.microsoft.com/office/drawing/2014/main" id="{CD70A28E-4FD8-4474-A206-E15B5EBB303F}"/>
+              </a:ext>
+              <a:ext uri="{C183D7F6-B498-43B3-948B-1728B52AA6E4}">
+                <adec:decorative xmlns:adec="http://schemas.microsoft.com/office/drawing/2017/decorative" val="1"/>
+              </a:ext>
+            </a:extLst>
+          </p:cNvPr>
+          <p:cNvSpPr>
+            <a:spLocks noGrp="1" noRot="1" noChangeAspect="1" noMove="1" noResize="1" noEditPoints="1" noAdjustHandles="1" noChangeArrowheads="1" noChangeShapeType="1" noTextEdit="1"/>
+          </p:cNvSpPr>
+          <p:nvPr>
+            <p:extLst>
+              <p:ext uri="{386F3935-93C4-4BCD-93E2-E3B085C9AB24}">
+                <p16:designElem xmlns:p16="http://schemas.microsoft.com/office/powerpoint/2015/main" val="1"/>
+              </p:ext>
+            </p:extLst>
+          </p:nvPr>
+        </p:nvSpPr>
+        <p:spPr>
+          <a:xfrm>
+            <a:off x="2286" y="1084747"/>
+            <a:ext cx="9141714" cy="3294207"/>
+          </a:xfrm>
+          <a:prstGeom prst="rect">
+            <a:avLst/>
+          </a:prstGeom>
+          <a:gradFill>
+            <a:gsLst>
+              <a:gs pos="0">
+                <a:schemeClr val="accent1">
+                  <a:lumMod val="90000"/>
+                </a:schemeClr>
+              </a:gs>
+              <a:gs pos="25000">
+                <a:schemeClr val="accent1">
+                  <a:lumMod val="90000"/>
+                </a:schemeClr>
+              </a:gs>
+              <a:gs pos="94000">
+                <a:schemeClr val="bg2">
+                  <a:lumMod val="25000"/>
+                </a:schemeClr>
+              </a:gs>
+              <a:gs pos="100000">
+                <a:schemeClr val="bg2">
+                  <a:lumMod val="25000"/>
+                </a:schemeClr>
+              </a:gs>
+            </a:gsLst>
+            <a:lin ang="4200000" scaled="0"/>
+          </a:gradFill>
+          <a:ln>
+            <a:noFill/>
+          </a:ln>
+        </p:spPr>
+        <p:style>
+          <a:lnRef idx="2">
+            <a:schemeClr val="accent1">
+              <a:shade val="50000"/>
+            </a:schemeClr>
+          </a:lnRef>
+          <a:fillRef idx="1">
+            <a:schemeClr val="accent1"/>
+          </a:fillRef>
+          <a:effectRef idx="0">
+            <a:schemeClr val="accent1"/>
+          </a:effectRef>
+          <a:fontRef idx="minor">
+            <a:schemeClr val="lt1"/>
+          </a:fontRef>
+        </p:style>
+        <p:txBody>
+          <a:bodyPr rtlCol="0" anchor="ctr"/>
+          <a:lstStyle/>
+          <a:p>
+            <a:pPr algn="ctr"/>
+            <a:endParaRPr lang="en-US"/>
+          </a:p>
+        </p:txBody>
+      </p:sp>
+      <p:pic>
+        <p:nvPicPr>
+          <p:cNvPr id="12" name="Picture 11">
+            <a:extLst>
+              <a:ext uri="{FF2B5EF4-FFF2-40B4-BE49-F238E27FC236}">
+                <a16:creationId xmlns:a16="http://schemas.microsoft.com/office/drawing/2014/main" id="{39647E21-5366-4638-AC97-D8CD4111EB57}"/>
+              </a:ext>
+              <a:ext uri="{C183D7F6-B498-43B3-948B-1728B52AA6E4}">
+                <adec:decorative xmlns:adec="http://schemas.microsoft.com/office/drawing/2017/decorative" val="1"/>
+              </a:ext>
+            </a:extLst>
+          </p:cNvPr>
+          <p:cNvPicPr>
+            <a:picLocks noGrp="1" noRot="1" noChangeAspect="1" noMove="1" noResize="1" noEditPoints="1" noAdjustHandles="1" noChangeArrowheads="1" noChangeShapeType="1" noCrop="1"/>
+          </p:cNvPicPr>
+          <p:nvPr>
+            <p:extLst>
+              <p:ext uri="{386F3935-93C4-4BCD-93E2-E3B085C9AB24}">
+                <p16:designElem xmlns:p16="http://schemas.microsoft.com/office/powerpoint/2015/main" val="1"/>
+              </p:ext>
+            </p:extLst>
+          </p:nvPr>
+        </p:nvPicPr>
+        <p:blipFill>
+          <a:blip r:embed="rId2">
+            <a:extLst>
+              <a:ext uri="{28A0092B-C50C-407E-A947-70E740481C1C}">
+                <a14:useLocalDpi xmlns:a14="http://schemas.microsoft.com/office/drawing/2010/main" val="0"/>
+              </a:ext>
+            </a:extLst>
+          </a:blip>
+          <a:srcRect l="8235" r="8214" b="45501"/>
+          <a:stretch>
+            <a:fillRect/>
+          </a:stretch>
+        </p:blipFill>
+        <p:spPr>
+          <a:xfrm flipV="1">
+            <a:off x="0" y="0"/>
+            <a:ext cx="9143999" cy="4473360"/>
+          </a:xfrm>
+          <a:custGeom>
+            <a:avLst/>
+            <a:gdLst>
+              <a:gd name="connsiteX0" fmla="*/ 0 w 12191999"/>
+              <a:gd name="connsiteY0" fmla="*/ 4473360 h 4473360"/>
+              <a:gd name="connsiteX1" fmla="*/ 12191999 w 12191999"/>
+              <a:gd name="connsiteY1" fmla="*/ 4473360 h 4473360"/>
+              <a:gd name="connsiteX2" fmla="*/ 12191999 w 12191999"/>
+              <a:gd name="connsiteY2" fmla="*/ 0 h 4473360"/>
+              <a:gd name="connsiteX3" fmla="*/ 0 w 12191999"/>
+              <a:gd name="connsiteY3" fmla="*/ 0 h 4473360"/>
+            </a:gdLst>
+            <a:ahLst/>
+            <a:cxnLst>
+              <a:cxn ang="0">
+                <a:pos x="connsiteX0" y="connsiteY0"/>
+              </a:cxn>
+              <a:cxn ang="0">
+                <a:pos x="connsiteX1" y="connsiteY1"/>
+              </a:cxn>
+              <a:cxn ang="0">
+                <a:pos x="connsiteX2" y="connsiteY2"/>
+              </a:cxn>
+              <a:cxn ang="0">
+                <a:pos x="connsiteX3" y="connsiteY3"/>
+              </a:cxn>
+            </a:cxnLst>
+            <a:rect l="l" t="t" r="r" b="b"/>
+            <a:pathLst>
+              <a:path w="12191999" h="4473360">
+                <a:moveTo>
+                  <a:pt x="0" y="4473360"/>
+                </a:moveTo>
+                <a:lnTo>
+                  <a:pt x="12191999" y="4473360"/>
+                </a:lnTo>
+                <a:lnTo>
+                  <a:pt x="12191999" y="0"/>
+                </a:lnTo>
+                <a:lnTo>
+                  <a:pt x="0" y="0"/>
+                </a:lnTo>
+                <a:close/>
+              </a:path>
+            </a:pathLst>
+          </a:custGeom>
+        </p:spPr>
+      </p:pic>
+      <p:sp>
+        <p:nvSpPr>
+          <p:cNvPr id="2" name="Title 1">
+            <a:extLst>
+              <a:ext uri="{FF2B5EF4-FFF2-40B4-BE49-F238E27FC236}">
+                <a16:creationId xmlns:a16="http://schemas.microsoft.com/office/drawing/2014/main" id="{FF2ECA5A-E42B-4721-97B6-8A13681AD828}"/>
+              </a:ext>
+            </a:extLst>
+          </p:cNvPr>
+          <p:cNvSpPr>
+            <a:spLocks noGrp="1"/>
+          </p:cNvSpPr>
+          <p:nvPr>
+            <p:ph type="title"/>
+          </p:nvPr>
+        </p:nvSpPr>
+        <p:spPr>
+          <a:xfrm>
+            <a:off x="565443" y="2076450"/>
+            <a:ext cx="8013114" cy="1345134"/>
+          </a:xfrm>
+        </p:spPr>
+        <p:txBody>
+          <a:bodyPr vert="horz" lIns="91440" tIns="45720" rIns="91440" bIns="45720" rtlCol="0" anchor="ctr">
+            <a:normAutofit fontScale="90000"/>
+          </a:bodyPr>
+          <a:lstStyle/>
+          <a:p>
+            <a:pPr algn="ctr" defTabSz="914400">
+              <a:lnSpc>
+                <a:spcPct val="90000"/>
+              </a:lnSpc>
+            </a:pPr>
+            <a:r>
+              <a:rPr lang="en-US" sz="4900" kern="1200" dirty="0">
+                <a:solidFill>
+                  <a:srgbClr val="FFFFFF"/>
+                </a:solidFill>
+                <a:latin typeface="+mj-lt"/>
+                <a:ea typeface="+mj-ea"/>
+                <a:cs typeface="+mj-cs"/>
+              </a:rPr>
+              <a:t>Projected Employment Growth</a:t>
+            </a:r>
+          </a:p>
+        </p:txBody>
+      </p:sp>
+      <p:sp>
+        <p:nvSpPr>
+          <p:cNvPr id="3" name="Text Placeholder 2">
+            <a:extLst>
+              <a:ext uri="{FF2B5EF4-FFF2-40B4-BE49-F238E27FC236}">
+                <a16:creationId xmlns:a16="http://schemas.microsoft.com/office/drawing/2014/main" id="{56A29EF8-AFBE-43F3-9EB1-A1839DAD00C6}"/>
+              </a:ext>
+            </a:extLst>
+          </p:cNvPr>
+          <p:cNvSpPr>
+            <a:spLocks noGrp="1"/>
+          </p:cNvSpPr>
+          <p:nvPr>
+            <p:ph type="body" idx="1"/>
+          </p:nvPr>
+        </p:nvSpPr>
+        <p:spPr>
+          <a:xfrm>
+            <a:off x="878681" y="4473360"/>
+            <a:ext cx="7101908" cy="865639"/>
+          </a:xfrm>
+        </p:spPr>
+        <p:txBody>
+          <a:bodyPr vert="horz" lIns="91440" tIns="45720" rIns="91440" bIns="45720" rtlCol="0" anchor="ctr">
+            <a:normAutofit/>
+          </a:bodyPr>
+          <a:lstStyle/>
+          <a:p>
+            <a:pPr algn="ctr" defTabSz="914400">
+              <a:lnSpc>
+                <a:spcPct val="90000"/>
+              </a:lnSpc>
+              <a:spcBef>
+                <a:spcPts val="1000"/>
+              </a:spcBef>
+            </a:pPr>
+            <a:endParaRPr lang="en-US" sz="2400" kern="1200">
+              <a:solidFill>
+                <a:srgbClr val="000000"/>
+              </a:solidFill>
+              <a:latin typeface="+mn-lt"/>
+              <a:ea typeface="+mn-ea"/>
+              <a:cs typeface="+mn-cs"/>
+            </a:endParaRPr>
+          </a:p>
+        </p:txBody>
+      </p:sp>
+    </p:spTree>
+    <p:extLst>
+      <p:ext uri="{BB962C8B-B14F-4D97-AF65-F5344CB8AC3E}">
+        <p14:creationId xmlns:p14="http://schemas.microsoft.com/office/powerpoint/2010/main" val="1529175489"/>
       </p:ext>
     </p:extLst>
   </p:cSld>
